--- a/презентация.pptx
+++ b/презентация.pptx
@@ -9029,7 +9029,7 @@
   <a:extraClrSchemeLst/>
   <a:extLst>
     <a:ext uri="{05A4C25C-085E-4340-85A3-A5531E510DB2}">
-      <thm15:themeFamily xmlns:thm15="http://schemas.microsoft.com/office/thememl/2012/main" xmlns="" name="Wisp" id="{7CB32D59-10C0-40DD-B7BD-2E94284A981C}" vid="{24B1A44C-C006-48B2-A4D7-E5549B3D8CD4}"/>
+      <thm15:themeFamily xmlns="" xmlns:thm15="http://schemas.microsoft.com/office/thememl/2012/main" name="Wisp" id="{7CB32D59-10C0-40DD-B7BD-2E94284A981C}" vid="{24B1A44C-C006-48B2-A4D7-E5549B3D8CD4}"/>
     </a:ext>
   </a:extLst>
 </a:theme>

--- a/презентация.pptx
+++ b/презентация.pptx
@@ -7738,11 +7738,33 @@
             <p:ph type="subTitle" idx="1"/>
           </p:nvPr>
         </p:nvSpPr>
-        <p:spPr/>
+        <p:spPr>
+          <a:xfrm>
+            <a:off x="2775330" y="5141521"/>
+            <a:ext cx="8915399" cy="1126283"/>
+          </a:xfrm>
+        </p:spPr>
         <p:txBody>
           <a:bodyPr/>
           <a:lstStyle/>
           <a:p>
+            <a:pPr algn="r"/>
+            <a:r>
+              <a:rPr lang="ru-RU" dirty="0" smtClean="0"/>
+              <a:t>Подготовили команда:</a:t>
+            </a:r>
+            <a:r>
+              <a:rPr lang="en-US" dirty="0" smtClean="0"/>
+              <a:t>”</a:t>
+            </a:r>
+            <a:r>
+              <a:rPr lang="ru-RU" dirty="0" smtClean="0"/>
+              <a:t>Аметисты</a:t>
+            </a:r>
+            <a:r>
+              <a:rPr lang="en-US" dirty="0" smtClean="0"/>
+              <a:t>”</a:t>
+            </a:r>
             <a:endParaRPr lang="ru-RU" dirty="0"/>
           </a:p>
         </p:txBody>
@@ -9029,7 +9051,7 @@
   <a:extraClrSchemeLst/>
   <a:extLst>
     <a:ext uri="{05A4C25C-085E-4340-85A3-A5531E510DB2}">
-      <thm15:themeFamily xmlns="" xmlns:thm15="http://schemas.microsoft.com/office/thememl/2012/main" name="Wisp" id="{7CB32D59-10C0-40DD-B7BD-2E94284A981C}" vid="{24B1A44C-C006-48B2-A4D7-E5549B3D8CD4}"/>
+      <thm15:themeFamily xmlns:thm15="http://schemas.microsoft.com/office/thememl/2012/main" xmlns="" name="Wisp" id="{7CB32D59-10C0-40DD-B7BD-2E94284A981C}" vid="{24B1A44C-C006-48B2-A4D7-E5549B3D8CD4}"/>
     </a:ext>
   </a:extLst>
 </a:theme>
